--- a/Meilensteine/1.Meilenstein_Präsentation.pptx
+++ b/Meilensteine/1.Meilenstein_Präsentation.pptx
@@ -7,27 +7,28 @@
   <p:sldIdLst>
     <p:sldId id="256" r:id="rId2"/>
     <p:sldId id="257" r:id="rId3"/>
-    <p:sldId id="258" r:id="rId4"/>
-    <p:sldId id="259" r:id="rId5"/>
-    <p:sldId id="268" r:id="rId6"/>
-    <p:sldId id="269" r:id="rId7"/>
-    <p:sldId id="267" r:id="rId8"/>
-    <p:sldId id="262" r:id="rId9"/>
-    <p:sldId id="271" r:id="rId10"/>
-    <p:sldId id="270" r:id="rId11"/>
-    <p:sldId id="266" r:id="rId12"/>
-    <p:sldId id="263" r:id="rId13"/>
-    <p:sldId id="272" r:id="rId14"/>
-    <p:sldId id="273" r:id="rId15"/>
-    <p:sldId id="265" r:id="rId16"/>
-    <p:sldId id="260" r:id="rId17"/>
-    <p:sldId id="274" r:id="rId18"/>
-    <p:sldId id="275" r:id="rId19"/>
-    <p:sldId id="264" r:id="rId20"/>
-    <p:sldId id="261" r:id="rId21"/>
-    <p:sldId id="276" r:id="rId22"/>
-    <p:sldId id="277" r:id="rId23"/>
-    <p:sldId id="278" r:id="rId24"/>
+    <p:sldId id="279" r:id="rId4"/>
+    <p:sldId id="258" r:id="rId5"/>
+    <p:sldId id="259" r:id="rId6"/>
+    <p:sldId id="268" r:id="rId7"/>
+    <p:sldId id="269" r:id="rId8"/>
+    <p:sldId id="267" r:id="rId9"/>
+    <p:sldId id="262" r:id="rId10"/>
+    <p:sldId id="271" r:id="rId11"/>
+    <p:sldId id="270" r:id="rId12"/>
+    <p:sldId id="266" r:id="rId13"/>
+    <p:sldId id="263" r:id="rId14"/>
+    <p:sldId id="272" r:id="rId15"/>
+    <p:sldId id="273" r:id="rId16"/>
+    <p:sldId id="265" r:id="rId17"/>
+    <p:sldId id="260" r:id="rId18"/>
+    <p:sldId id="274" r:id="rId19"/>
+    <p:sldId id="275" r:id="rId20"/>
+    <p:sldId id="264" r:id="rId21"/>
+    <p:sldId id="261" r:id="rId22"/>
+    <p:sldId id="276" r:id="rId23"/>
+    <p:sldId id="277" r:id="rId24"/>
+    <p:sldId id="278" r:id="rId25"/>
   </p:sldIdLst>
   <p:sldSz cx="12192000" cy="6858000"/>
   <p:notesSz cx="6858000" cy="9144000"/>
@@ -133,6 +134,7 @@
           <p14:sldIdLst>
             <p14:sldId id="256"/>
             <p14:sldId id="257"/>
+            <p14:sldId id="279"/>
           </p14:sldIdLst>
         </p14:section>
         <p14:section name="Konzept 1" id="{3499F188-B591-423F-B43E-F2A5A17854AB}">
@@ -3523,10 +3525,10 @@
       </p:grpSpPr>
       <p:sp>
         <p:nvSpPr>
-          <p:cNvPr id="4" name="Titel 3">
-            <a:extLst>
-              <a:ext uri="{FF2B5EF4-FFF2-40B4-BE49-F238E27FC236}">
-                <a16:creationId xmlns:a16="http://schemas.microsoft.com/office/drawing/2014/main" id="{6FD14829-D68C-B905-2527-B0E16F23FC46}"/>
+          <p:cNvPr id="2" name="Titel 1">
+            <a:extLst>
+              <a:ext uri="{FF2B5EF4-FFF2-40B4-BE49-F238E27FC236}">
+                <a16:creationId xmlns:a16="http://schemas.microsoft.com/office/drawing/2014/main" id="{161C4804-DF2B-D485-9826-DB1F3647EC36}"/>
               </a:ext>
             </a:extLst>
           </p:cNvPr>
@@ -3544,7 +3546,7 @@
           <a:p>
             <a:r>
               <a:rPr lang="de-DE" dirty="0"/>
-              <a:t>Pro/Kontra</a:t>
+              <a:t>Kostenvoranschlag</a:t>
             </a:r>
             <a:endParaRPr lang="de-AT" dirty="0"/>
           </a:p>
@@ -3552,101 +3554,18 @@
       </p:sp>
       <p:sp>
         <p:nvSpPr>
-          <p:cNvPr id="5" name="Textplatzhalter 4">
-            <a:extLst>
-              <a:ext uri="{FF2B5EF4-FFF2-40B4-BE49-F238E27FC236}">
-                <a16:creationId xmlns:a16="http://schemas.microsoft.com/office/drawing/2014/main" id="{BF25CF39-B861-5A24-3BCC-A55B00B5AF44}"/>
-              </a:ext>
-            </a:extLst>
-          </p:cNvPr>
-          <p:cNvSpPr>
-            <a:spLocks noGrp="1"/>
-          </p:cNvSpPr>
-          <p:nvPr>
-            <p:ph type="body" idx="1"/>
-          </p:nvPr>
-        </p:nvSpPr>
-        <p:spPr/>
-        <p:txBody>
-          <a:bodyPr/>
-          <a:lstStyle/>
-          <a:p>
-            <a:r>
-              <a:rPr lang="de-DE" dirty="0"/>
-              <a:t>Pro</a:t>
-            </a:r>
-            <a:endParaRPr lang="de-AT" dirty="0"/>
-          </a:p>
-        </p:txBody>
-      </p:sp>
-      <p:sp>
-        <p:nvSpPr>
-          <p:cNvPr id="6" name="Inhaltsplatzhalter 5">
-            <a:extLst>
-              <a:ext uri="{FF2B5EF4-FFF2-40B4-BE49-F238E27FC236}">
-                <a16:creationId xmlns:a16="http://schemas.microsoft.com/office/drawing/2014/main" id="{B5633841-9532-75E4-067C-8CA99A759768}"/>
-              </a:ext>
-            </a:extLst>
-          </p:cNvPr>
-          <p:cNvSpPr>
-            <a:spLocks noGrp="1"/>
-          </p:cNvSpPr>
-          <p:nvPr>
-            <p:ph sz="half" idx="2"/>
-          </p:nvPr>
-        </p:nvSpPr>
-        <p:spPr/>
-        <p:txBody>
-          <a:bodyPr/>
-          <a:lstStyle/>
-          <a:p>
-            <a:endParaRPr lang="de-AT"/>
-          </a:p>
-        </p:txBody>
-      </p:sp>
-      <p:sp>
-        <p:nvSpPr>
-          <p:cNvPr id="7" name="Textplatzhalter 6">
-            <a:extLst>
-              <a:ext uri="{FF2B5EF4-FFF2-40B4-BE49-F238E27FC236}">
-                <a16:creationId xmlns:a16="http://schemas.microsoft.com/office/drawing/2014/main" id="{14FFFADB-5882-4A9C-591D-616E26C1206B}"/>
-              </a:ext>
-            </a:extLst>
-          </p:cNvPr>
-          <p:cNvSpPr>
-            <a:spLocks noGrp="1"/>
-          </p:cNvSpPr>
-          <p:nvPr>
-            <p:ph type="body" sz="quarter" idx="3"/>
-          </p:nvPr>
-        </p:nvSpPr>
-        <p:spPr/>
-        <p:txBody>
-          <a:bodyPr/>
-          <a:lstStyle/>
-          <a:p>
-            <a:r>
-              <a:rPr lang="de-DE" dirty="0"/>
-              <a:t>Kontra</a:t>
-            </a:r>
-            <a:endParaRPr lang="de-AT" dirty="0"/>
-          </a:p>
-        </p:txBody>
-      </p:sp>
-      <p:sp>
-        <p:nvSpPr>
-          <p:cNvPr id="8" name="Inhaltsplatzhalter 7">
-            <a:extLst>
-              <a:ext uri="{FF2B5EF4-FFF2-40B4-BE49-F238E27FC236}">
-                <a16:creationId xmlns:a16="http://schemas.microsoft.com/office/drawing/2014/main" id="{5B959AEF-E003-B324-90C6-E010D13A6B30}"/>
-              </a:ext>
-            </a:extLst>
-          </p:cNvPr>
-          <p:cNvSpPr>
-            <a:spLocks noGrp="1"/>
-          </p:cNvSpPr>
-          <p:nvPr>
-            <p:ph sz="quarter" idx="4"/>
+          <p:cNvPr id="3" name="Inhaltsplatzhalter 2">
+            <a:extLst>
+              <a:ext uri="{FF2B5EF4-FFF2-40B4-BE49-F238E27FC236}">
+                <a16:creationId xmlns:a16="http://schemas.microsoft.com/office/drawing/2014/main" id="{2B045E72-B130-C8E8-2871-A6DD1E4CCF8D}"/>
+              </a:ext>
+            </a:extLst>
+          </p:cNvPr>
+          <p:cNvSpPr>
+            <a:spLocks noGrp="1"/>
+          </p:cNvSpPr>
+          <p:nvPr>
+            <p:ph idx="1"/>
           </p:nvPr>
         </p:nvSpPr>
         <p:spPr/>
@@ -3661,7 +3580,7 @@
     </p:spTree>
     <p:extLst>
       <p:ext uri="{BB962C8B-B14F-4D97-AF65-F5344CB8AC3E}">
-        <p14:creationId xmlns:p14="http://schemas.microsoft.com/office/powerpoint/2010/main" val="3919950402"/>
+        <p14:creationId xmlns:p14="http://schemas.microsoft.com/office/powerpoint/2010/main" val="1344565148"/>
       </p:ext>
     </p:extLst>
   </p:cSld>
@@ -3690,10 +3609,10 @@
       </p:grpSpPr>
       <p:sp>
         <p:nvSpPr>
-          <p:cNvPr id="2" name="Titel 1">
-            <a:extLst>
-              <a:ext uri="{FF2B5EF4-FFF2-40B4-BE49-F238E27FC236}">
-                <a16:creationId xmlns:a16="http://schemas.microsoft.com/office/drawing/2014/main" id="{4031AD48-1797-6585-73E8-20066AE00888}"/>
+          <p:cNvPr id="4" name="Titel 3">
+            <a:extLst>
+              <a:ext uri="{FF2B5EF4-FFF2-40B4-BE49-F238E27FC236}">
+                <a16:creationId xmlns:a16="http://schemas.microsoft.com/office/drawing/2014/main" id="{6FD14829-D68C-B905-2527-B0E16F23FC46}"/>
               </a:ext>
             </a:extLst>
           </p:cNvPr>
@@ -3711,7 +3630,7 @@
           <a:p>
             <a:r>
               <a:rPr lang="de-DE" dirty="0"/>
-              <a:t>Konzept 3</a:t>
+              <a:t>Pro/Kontra</a:t>
             </a:r>
             <a:endParaRPr lang="de-AT" dirty="0"/>
           </a:p>
@@ -3719,41 +3638,116 @@
       </p:sp>
       <p:sp>
         <p:nvSpPr>
-          <p:cNvPr id="3" name="Inhaltsplatzhalter 2">
-            <a:extLst>
-              <a:ext uri="{FF2B5EF4-FFF2-40B4-BE49-F238E27FC236}">
-                <a16:creationId xmlns:a16="http://schemas.microsoft.com/office/drawing/2014/main" id="{BC6179F1-0874-08D3-E9CD-082B7F905F27}"/>
-              </a:ext>
-            </a:extLst>
-          </p:cNvPr>
-          <p:cNvSpPr>
-            <a:spLocks noGrp="1"/>
-          </p:cNvSpPr>
-          <p:nvPr>
-            <p:ph idx="1"/>
-          </p:nvPr>
-        </p:nvSpPr>
-        <p:spPr/>
-        <p:txBody>
-          <a:bodyPr/>
-          <a:lstStyle/>
-          <a:p>
-            <a:r>
-              <a:rPr lang="de-DE" dirty="0" err="1"/>
-              <a:t>Bexi</a:t>
-            </a:r>
+          <p:cNvPr id="5" name="Textplatzhalter 4">
+            <a:extLst>
+              <a:ext uri="{FF2B5EF4-FFF2-40B4-BE49-F238E27FC236}">
+                <a16:creationId xmlns:a16="http://schemas.microsoft.com/office/drawing/2014/main" id="{BF25CF39-B861-5A24-3BCC-A55B00B5AF44}"/>
+              </a:ext>
+            </a:extLst>
+          </p:cNvPr>
+          <p:cNvSpPr>
+            <a:spLocks noGrp="1"/>
+          </p:cNvSpPr>
+          <p:nvPr>
+            <p:ph type="body" idx="1"/>
+          </p:nvPr>
+        </p:nvSpPr>
+        <p:spPr/>
+        <p:txBody>
+          <a:bodyPr/>
+          <a:lstStyle/>
+          <a:p>
             <a:r>
               <a:rPr lang="de-DE" dirty="0"/>
-              <a:t> 3</a:t>
+              <a:t>Pro</a:t>
             </a:r>
             <a:endParaRPr lang="de-AT" dirty="0"/>
+          </a:p>
+        </p:txBody>
+      </p:sp>
+      <p:sp>
+        <p:nvSpPr>
+          <p:cNvPr id="6" name="Inhaltsplatzhalter 5">
+            <a:extLst>
+              <a:ext uri="{FF2B5EF4-FFF2-40B4-BE49-F238E27FC236}">
+                <a16:creationId xmlns:a16="http://schemas.microsoft.com/office/drawing/2014/main" id="{B5633841-9532-75E4-067C-8CA99A759768}"/>
+              </a:ext>
+            </a:extLst>
+          </p:cNvPr>
+          <p:cNvSpPr>
+            <a:spLocks noGrp="1"/>
+          </p:cNvSpPr>
+          <p:nvPr>
+            <p:ph sz="half" idx="2"/>
+          </p:nvPr>
+        </p:nvSpPr>
+        <p:spPr/>
+        <p:txBody>
+          <a:bodyPr/>
+          <a:lstStyle/>
+          <a:p>
+            <a:endParaRPr lang="de-AT"/>
+          </a:p>
+        </p:txBody>
+      </p:sp>
+      <p:sp>
+        <p:nvSpPr>
+          <p:cNvPr id="7" name="Textplatzhalter 6">
+            <a:extLst>
+              <a:ext uri="{FF2B5EF4-FFF2-40B4-BE49-F238E27FC236}">
+                <a16:creationId xmlns:a16="http://schemas.microsoft.com/office/drawing/2014/main" id="{14FFFADB-5882-4A9C-591D-616E26C1206B}"/>
+              </a:ext>
+            </a:extLst>
+          </p:cNvPr>
+          <p:cNvSpPr>
+            <a:spLocks noGrp="1"/>
+          </p:cNvSpPr>
+          <p:nvPr>
+            <p:ph type="body" sz="quarter" idx="3"/>
+          </p:nvPr>
+        </p:nvSpPr>
+        <p:spPr/>
+        <p:txBody>
+          <a:bodyPr/>
+          <a:lstStyle/>
+          <a:p>
+            <a:r>
+              <a:rPr lang="de-DE" dirty="0"/>
+              <a:t>Kontra</a:t>
+            </a:r>
+            <a:endParaRPr lang="de-AT" dirty="0"/>
+          </a:p>
+        </p:txBody>
+      </p:sp>
+      <p:sp>
+        <p:nvSpPr>
+          <p:cNvPr id="8" name="Inhaltsplatzhalter 7">
+            <a:extLst>
+              <a:ext uri="{FF2B5EF4-FFF2-40B4-BE49-F238E27FC236}">
+                <a16:creationId xmlns:a16="http://schemas.microsoft.com/office/drawing/2014/main" id="{5B959AEF-E003-B324-90C6-E010D13A6B30}"/>
+              </a:ext>
+            </a:extLst>
+          </p:cNvPr>
+          <p:cNvSpPr>
+            <a:spLocks noGrp="1"/>
+          </p:cNvSpPr>
+          <p:nvPr>
+            <p:ph sz="quarter" idx="4"/>
+          </p:nvPr>
+        </p:nvSpPr>
+        <p:spPr/>
+        <p:txBody>
+          <a:bodyPr/>
+          <a:lstStyle/>
+          <a:p>
+            <a:endParaRPr lang="de-AT"/>
           </a:p>
         </p:txBody>
       </p:sp>
     </p:spTree>
     <p:extLst>
       <p:ext uri="{BB962C8B-B14F-4D97-AF65-F5344CB8AC3E}">
-        <p14:creationId xmlns:p14="http://schemas.microsoft.com/office/powerpoint/2010/main" val="1910841802"/>
+        <p14:creationId xmlns:p14="http://schemas.microsoft.com/office/powerpoint/2010/main" val="3919950402"/>
       </p:ext>
     </p:extLst>
   </p:cSld>
@@ -3785,7 +3779,7 @@
           <p:cNvPr id="2" name="Titel 1">
             <a:extLst>
               <a:ext uri="{FF2B5EF4-FFF2-40B4-BE49-F238E27FC236}">
-                <a16:creationId xmlns:a16="http://schemas.microsoft.com/office/drawing/2014/main" id="{F60069F8-3544-4E9B-04CE-6C1CCBD1500B}"/>
+                <a16:creationId xmlns:a16="http://schemas.microsoft.com/office/drawing/2014/main" id="{4031AD48-1797-6585-73E8-20066AE00888}"/>
               </a:ext>
             </a:extLst>
           </p:cNvPr>
@@ -3803,7 +3797,7 @@
           <a:p>
             <a:r>
               <a:rPr lang="de-DE" dirty="0"/>
-              <a:t>CAD-Modell</a:t>
+              <a:t>Konzept 3</a:t>
             </a:r>
             <a:endParaRPr lang="de-AT" dirty="0"/>
           </a:p>
@@ -3814,7 +3808,7 @@
           <p:cNvPr id="3" name="Inhaltsplatzhalter 2">
             <a:extLst>
               <a:ext uri="{FF2B5EF4-FFF2-40B4-BE49-F238E27FC236}">
-                <a16:creationId xmlns:a16="http://schemas.microsoft.com/office/drawing/2014/main" id="{3DF6EBDC-835E-CBD7-A69B-E3FE3DD5F140}"/>
+                <a16:creationId xmlns:a16="http://schemas.microsoft.com/office/drawing/2014/main" id="{BC6179F1-0874-08D3-E9CD-082B7F905F27}"/>
               </a:ext>
             </a:extLst>
           </p:cNvPr>
@@ -3830,14 +3824,22 @@
           <a:bodyPr/>
           <a:lstStyle/>
           <a:p>
-            <a:endParaRPr lang="de-AT"/>
+            <a:r>
+              <a:rPr lang="de-DE" dirty="0" err="1"/>
+              <a:t>Bexi</a:t>
+            </a:r>
+            <a:r>
+              <a:rPr lang="de-DE" dirty="0"/>
+              <a:t> 3</a:t>
+            </a:r>
+            <a:endParaRPr lang="de-AT" dirty="0"/>
           </a:p>
         </p:txBody>
       </p:sp>
     </p:spTree>
     <p:extLst>
       <p:ext uri="{BB962C8B-B14F-4D97-AF65-F5344CB8AC3E}">
-        <p14:creationId xmlns:p14="http://schemas.microsoft.com/office/powerpoint/2010/main" val="663941958"/>
+        <p14:creationId xmlns:p14="http://schemas.microsoft.com/office/powerpoint/2010/main" val="1910841802"/>
       </p:ext>
     </p:extLst>
   </p:cSld>
@@ -3869,7 +3871,7 @@
           <p:cNvPr id="2" name="Titel 1">
             <a:extLst>
               <a:ext uri="{FF2B5EF4-FFF2-40B4-BE49-F238E27FC236}">
-                <a16:creationId xmlns:a16="http://schemas.microsoft.com/office/drawing/2014/main" id="{3F201057-6198-1611-19D0-46705BEA7A6B}"/>
+                <a16:creationId xmlns:a16="http://schemas.microsoft.com/office/drawing/2014/main" id="{F60069F8-3544-4E9B-04CE-6C1CCBD1500B}"/>
               </a:ext>
             </a:extLst>
           </p:cNvPr>
@@ -3887,7 +3889,7 @@
           <a:p>
             <a:r>
               <a:rPr lang="de-DE" dirty="0"/>
-              <a:t>Kostenvoranschlag</a:t>
+              <a:t>CAD-Modell</a:t>
             </a:r>
             <a:endParaRPr lang="de-AT" dirty="0"/>
           </a:p>
@@ -3898,7 +3900,7 @@
           <p:cNvPr id="3" name="Inhaltsplatzhalter 2">
             <a:extLst>
               <a:ext uri="{FF2B5EF4-FFF2-40B4-BE49-F238E27FC236}">
-                <a16:creationId xmlns:a16="http://schemas.microsoft.com/office/drawing/2014/main" id="{79F7A216-4CD2-9CD5-267F-0790C818D527}"/>
+                <a16:creationId xmlns:a16="http://schemas.microsoft.com/office/drawing/2014/main" id="{3DF6EBDC-835E-CBD7-A69B-E3FE3DD5F140}"/>
               </a:ext>
             </a:extLst>
           </p:cNvPr>
@@ -3921,7 +3923,7 @@
     </p:spTree>
     <p:extLst>
       <p:ext uri="{BB962C8B-B14F-4D97-AF65-F5344CB8AC3E}">
-        <p14:creationId xmlns:p14="http://schemas.microsoft.com/office/powerpoint/2010/main" val="323092067"/>
+        <p14:creationId xmlns:p14="http://schemas.microsoft.com/office/powerpoint/2010/main" val="663941958"/>
       </p:ext>
     </p:extLst>
   </p:cSld>
@@ -3950,10 +3952,10 @@
       </p:grpSpPr>
       <p:sp>
         <p:nvSpPr>
-          <p:cNvPr id="4" name="Titel 3">
-            <a:extLst>
-              <a:ext uri="{FF2B5EF4-FFF2-40B4-BE49-F238E27FC236}">
-                <a16:creationId xmlns:a16="http://schemas.microsoft.com/office/drawing/2014/main" id="{8AA5D009-EEE1-86FA-5A8B-6B0AEE2FCAC3}"/>
+          <p:cNvPr id="2" name="Titel 1">
+            <a:extLst>
+              <a:ext uri="{FF2B5EF4-FFF2-40B4-BE49-F238E27FC236}">
+                <a16:creationId xmlns:a16="http://schemas.microsoft.com/office/drawing/2014/main" id="{3F201057-6198-1611-19D0-46705BEA7A6B}"/>
               </a:ext>
             </a:extLst>
           </p:cNvPr>
@@ -3971,7 +3973,7 @@
           <a:p>
             <a:r>
               <a:rPr lang="de-DE" dirty="0"/>
-              <a:t>Pro/Kontra</a:t>
+              <a:t>Kostenvoranschlag</a:t>
             </a:r>
             <a:endParaRPr lang="de-AT" dirty="0"/>
           </a:p>
@@ -3979,101 +3981,18 @@
       </p:sp>
       <p:sp>
         <p:nvSpPr>
-          <p:cNvPr id="5" name="Textplatzhalter 4">
-            <a:extLst>
-              <a:ext uri="{FF2B5EF4-FFF2-40B4-BE49-F238E27FC236}">
-                <a16:creationId xmlns:a16="http://schemas.microsoft.com/office/drawing/2014/main" id="{41EF4E59-2BAB-0552-06E1-6A1C4D2A53EC}"/>
-              </a:ext>
-            </a:extLst>
-          </p:cNvPr>
-          <p:cNvSpPr>
-            <a:spLocks noGrp="1"/>
-          </p:cNvSpPr>
-          <p:nvPr>
-            <p:ph type="body" idx="1"/>
-          </p:nvPr>
-        </p:nvSpPr>
-        <p:spPr/>
-        <p:txBody>
-          <a:bodyPr/>
-          <a:lstStyle/>
-          <a:p>
-            <a:r>
-              <a:rPr lang="de-DE" dirty="0"/>
-              <a:t>Pro</a:t>
-            </a:r>
-            <a:endParaRPr lang="de-AT" dirty="0"/>
-          </a:p>
-        </p:txBody>
-      </p:sp>
-      <p:sp>
-        <p:nvSpPr>
-          <p:cNvPr id="6" name="Inhaltsplatzhalter 5">
-            <a:extLst>
-              <a:ext uri="{FF2B5EF4-FFF2-40B4-BE49-F238E27FC236}">
-                <a16:creationId xmlns:a16="http://schemas.microsoft.com/office/drawing/2014/main" id="{E6D1CF5C-8BF8-5184-1494-2FC219EDD3C5}"/>
-              </a:ext>
-            </a:extLst>
-          </p:cNvPr>
-          <p:cNvSpPr>
-            <a:spLocks noGrp="1"/>
-          </p:cNvSpPr>
-          <p:nvPr>
-            <p:ph sz="half" idx="2"/>
-          </p:nvPr>
-        </p:nvSpPr>
-        <p:spPr/>
-        <p:txBody>
-          <a:bodyPr/>
-          <a:lstStyle/>
-          <a:p>
-            <a:endParaRPr lang="de-AT"/>
-          </a:p>
-        </p:txBody>
-      </p:sp>
-      <p:sp>
-        <p:nvSpPr>
-          <p:cNvPr id="7" name="Textplatzhalter 6">
-            <a:extLst>
-              <a:ext uri="{FF2B5EF4-FFF2-40B4-BE49-F238E27FC236}">
-                <a16:creationId xmlns:a16="http://schemas.microsoft.com/office/drawing/2014/main" id="{38AE6670-8BD1-1CF3-5AD5-D156163E3767}"/>
-              </a:ext>
-            </a:extLst>
-          </p:cNvPr>
-          <p:cNvSpPr>
-            <a:spLocks noGrp="1"/>
-          </p:cNvSpPr>
-          <p:nvPr>
-            <p:ph type="body" sz="quarter" idx="3"/>
-          </p:nvPr>
-        </p:nvSpPr>
-        <p:spPr/>
-        <p:txBody>
-          <a:bodyPr/>
-          <a:lstStyle/>
-          <a:p>
-            <a:r>
-              <a:rPr lang="de-DE" dirty="0"/>
-              <a:t>Kontra</a:t>
-            </a:r>
-            <a:endParaRPr lang="de-AT" dirty="0"/>
-          </a:p>
-        </p:txBody>
-      </p:sp>
-      <p:sp>
-        <p:nvSpPr>
-          <p:cNvPr id="8" name="Inhaltsplatzhalter 7">
-            <a:extLst>
-              <a:ext uri="{FF2B5EF4-FFF2-40B4-BE49-F238E27FC236}">
-                <a16:creationId xmlns:a16="http://schemas.microsoft.com/office/drawing/2014/main" id="{F33D7896-4FF8-0D4A-083F-1E05C414B1FC}"/>
-              </a:ext>
-            </a:extLst>
-          </p:cNvPr>
-          <p:cNvSpPr>
-            <a:spLocks noGrp="1"/>
-          </p:cNvSpPr>
-          <p:nvPr>
-            <p:ph sz="quarter" idx="4"/>
+          <p:cNvPr id="3" name="Inhaltsplatzhalter 2">
+            <a:extLst>
+              <a:ext uri="{FF2B5EF4-FFF2-40B4-BE49-F238E27FC236}">
+                <a16:creationId xmlns:a16="http://schemas.microsoft.com/office/drawing/2014/main" id="{79F7A216-4CD2-9CD5-267F-0790C818D527}"/>
+              </a:ext>
+            </a:extLst>
+          </p:cNvPr>
+          <p:cNvSpPr>
+            <a:spLocks noGrp="1"/>
+          </p:cNvSpPr>
+          <p:nvPr>
+            <p:ph idx="1"/>
           </p:nvPr>
         </p:nvSpPr>
         <p:spPr/>
@@ -4088,7 +4007,7 @@
     </p:spTree>
     <p:extLst>
       <p:ext uri="{BB962C8B-B14F-4D97-AF65-F5344CB8AC3E}">
-        <p14:creationId xmlns:p14="http://schemas.microsoft.com/office/powerpoint/2010/main" val="2068173347"/>
+        <p14:creationId xmlns:p14="http://schemas.microsoft.com/office/powerpoint/2010/main" val="323092067"/>
       </p:ext>
     </p:extLst>
   </p:cSld>
@@ -4117,10 +4036,10 @@
       </p:grpSpPr>
       <p:sp>
         <p:nvSpPr>
-          <p:cNvPr id="2" name="Titel 1">
-            <a:extLst>
-              <a:ext uri="{FF2B5EF4-FFF2-40B4-BE49-F238E27FC236}">
-                <a16:creationId xmlns:a16="http://schemas.microsoft.com/office/drawing/2014/main" id="{9266431A-E2F6-1C38-D986-F503E352BAAB}"/>
+          <p:cNvPr id="4" name="Titel 3">
+            <a:extLst>
+              <a:ext uri="{FF2B5EF4-FFF2-40B4-BE49-F238E27FC236}">
+                <a16:creationId xmlns:a16="http://schemas.microsoft.com/office/drawing/2014/main" id="{8AA5D009-EEE1-86FA-5A8B-6B0AEE2FCAC3}"/>
               </a:ext>
             </a:extLst>
           </p:cNvPr>
@@ -4138,7 +4057,7 @@
           <a:p>
             <a:r>
               <a:rPr lang="de-DE" dirty="0"/>
-              <a:t>Konzept 4</a:t>
+              <a:t>Pro/Kontra</a:t>
             </a:r>
             <a:endParaRPr lang="de-AT" dirty="0"/>
           </a:p>
@@ -4146,18 +4065,18 @@
       </p:sp>
       <p:sp>
         <p:nvSpPr>
-          <p:cNvPr id="3" name="Inhaltsplatzhalter 2">
-            <a:extLst>
-              <a:ext uri="{FF2B5EF4-FFF2-40B4-BE49-F238E27FC236}">
-                <a16:creationId xmlns:a16="http://schemas.microsoft.com/office/drawing/2014/main" id="{9535C064-C8C6-CDBF-7158-ADFB2E99D975}"/>
-              </a:ext>
-            </a:extLst>
-          </p:cNvPr>
-          <p:cNvSpPr>
-            <a:spLocks noGrp="1"/>
-          </p:cNvSpPr>
-          <p:nvPr>
-            <p:ph idx="1"/>
+          <p:cNvPr id="5" name="Textplatzhalter 4">
+            <a:extLst>
+              <a:ext uri="{FF2B5EF4-FFF2-40B4-BE49-F238E27FC236}">
+                <a16:creationId xmlns:a16="http://schemas.microsoft.com/office/drawing/2014/main" id="{41EF4E59-2BAB-0552-06E1-6A1C4D2A53EC}"/>
+              </a:ext>
+            </a:extLst>
+          </p:cNvPr>
+          <p:cNvSpPr>
+            <a:spLocks noGrp="1"/>
+          </p:cNvSpPr>
+          <p:nvPr>
+            <p:ph type="body" idx="1"/>
           </p:nvPr>
         </p:nvSpPr>
         <p:spPr/>
@@ -4167,16 +4086,95 @@
           <a:p>
             <a:r>
               <a:rPr lang="de-DE" dirty="0"/>
-              <a:t>Koni 1</a:t>
+              <a:t>Pro</a:t>
             </a:r>
             <a:endParaRPr lang="de-AT" dirty="0"/>
+          </a:p>
+        </p:txBody>
+      </p:sp>
+      <p:sp>
+        <p:nvSpPr>
+          <p:cNvPr id="6" name="Inhaltsplatzhalter 5">
+            <a:extLst>
+              <a:ext uri="{FF2B5EF4-FFF2-40B4-BE49-F238E27FC236}">
+                <a16:creationId xmlns:a16="http://schemas.microsoft.com/office/drawing/2014/main" id="{E6D1CF5C-8BF8-5184-1494-2FC219EDD3C5}"/>
+              </a:ext>
+            </a:extLst>
+          </p:cNvPr>
+          <p:cNvSpPr>
+            <a:spLocks noGrp="1"/>
+          </p:cNvSpPr>
+          <p:nvPr>
+            <p:ph sz="half" idx="2"/>
+          </p:nvPr>
+        </p:nvSpPr>
+        <p:spPr/>
+        <p:txBody>
+          <a:bodyPr/>
+          <a:lstStyle/>
+          <a:p>
+            <a:endParaRPr lang="de-AT"/>
+          </a:p>
+        </p:txBody>
+      </p:sp>
+      <p:sp>
+        <p:nvSpPr>
+          <p:cNvPr id="7" name="Textplatzhalter 6">
+            <a:extLst>
+              <a:ext uri="{FF2B5EF4-FFF2-40B4-BE49-F238E27FC236}">
+                <a16:creationId xmlns:a16="http://schemas.microsoft.com/office/drawing/2014/main" id="{38AE6670-8BD1-1CF3-5AD5-D156163E3767}"/>
+              </a:ext>
+            </a:extLst>
+          </p:cNvPr>
+          <p:cNvSpPr>
+            <a:spLocks noGrp="1"/>
+          </p:cNvSpPr>
+          <p:nvPr>
+            <p:ph type="body" sz="quarter" idx="3"/>
+          </p:nvPr>
+        </p:nvSpPr>
+        <p:spPr/>
+        <p:txBody>
+          <a:bodyPr/>
+          <a:lstStyle/>
+          <a:p>
+            <a:r>
+              <a:rPr lang="de-DE" dirty="0"/>
+              <a:t>Kontra</a:t>
+            </a:r>
+            <a:endParaRPr lang="de-AT" dirty="0"/>
+          </a:p>
+        </p:txBody>
+      </p:sp>
+      <p:sp>
+        <p:nvSpPr>
+          <p:cNvPr id="8" name="Inhaltsplatzhalter 7">
+            <a:extLst>
+              <a:ext uri="{FF2B5EF4-FFF2-40B4-BE49-F238E27FC236}">
+                <a16:creationId xmlns:a16="http://schemas.microsoft.com/office/drawing/2014/main" id="{F33D7896-4FF8-0D4A-083F-1E05C414B1FC}"/>
+              </a:ext>
+            </a:extLst>
+          </p:cNvPr>
+          <p:cNvSpPr>
+            <a:spLocks noGrp="1"/>
+          </p:cNvSpPr>
+          <p:nvPr>
+            <p:ph sz="quarter" idx="4"/>
+          </p:nvPr>
+        </p:nvSpPr>
+        <p:spPr/>
+        <p:txBody>
+          <a:bodyPr/>
+          <a:lstStyle/>
+          <a:p>
+            <a:endParaRPr lang="de-AT"/>
           </a:p>
         </p:txBody>
       </p:sp>
     </p:spTree>
     <p:extLst>
       <p:ext uri="{BB962C8B-B14F-4D97-AF65-F5344CB8AC3E}">
-        <p14:creationId xmlns:p14="http://schemas.microsoft.com/office/powerpoint/2010/main" val="1287367416"/>
+        <p14:creationId xmlns:p14="http://schemas.microsoft.com/office/powerpoint/2010/main" val="2068173347"/>
       </p:ext>
     </p:extLst>
   </p:cSld>
@@ -4208,7 +4206,7 @@
           <p:cNvPr id="2" name="Titel 1">
             <a:extLst>
               <a:ext uri="{FF2B5EF4-FFF2-40B4-BE49-F238E27FC236}">
-                <a16:creationId xmlns:a16="http://schemas.microsoft.com/office/drawing/2014/main" id="{64CFC993-6EC7-7940-247D-71DB08245C78}"/>
+                <a16:creationId xmlns:a16="http://schemas.microsoft.com/office/drawing/2014/main" id="{9266431A-E2F6-1C38-D986-F503E352BAAB}"/>
               </a:ext>
             </a:extLst>
           </p:cNvPr>
@@ -4226,7 +4224,7 @@
           <a:p>
             <a:r>
               <a:rPr lang="de-DE" dirty="0"/>
-              <a:t>CAD-Modell</a:t>
+              <a:t>Konzept 4</a:t>
             </a:r>
             <a:endParaRPr lang="de-AT" dirty="0"/>
           </a:p>
@@ -4237,7 +4235,7 @@
           <p:cNvPr id="3" name="Inhaltsplatzhalter 2">
             <a:extLst>
               <a:ext uri="{FF2B5EF4-FFF2-40B4-BE49-F238E27FC236}">
-                <a16:creationId xmlns:a16="http://schemas.microsoft.com/office/drawing/2014/main" id="{F2085BD5-F91F-410D-118E-F749A19368E0}"/>
+                <a16:creationId xmlns:a16="http://schemas.microsoft.com/office/drawing/2014/main" id="{9535C064-C8C6-CDBF-7158-ADFB2E99D975}"/>
               </a:ext>
             </a:extLst>
           </p:cNvPr>
@@ -4253,14 +4251,18 @@
           <a:bodyPr/>
           <a:lstStyle/>
           <a:p>
-            <a:endParaRPr lang="de-AT"/>
+            <a:r>
+              <a:rPr lang="de-DE" dirty="0"/>
+              <a:t>Koni 1</a:t>
+            </a:r>
+            <a:endParaRPr lang="de-AT" dirty="0"/>
           </a:p>
         </p:txBody>
       </p:sp>
     </p:spTree>
     <p:extLst>
       <p:ext uri="{BB962C8B-B14F-4D97-AF65-F5344CB8AC3E}">
-        <p14:creationId xmlns:p14="http://schemas.microsoft.com/office/powerpoint/2010/main" val="2224729209"/>
+        <p14:creationId xmlns:p14="http://schemas.microsoft.com/office/powerpoint/2010/main" val="1287367416"/>
       </p:ext>
     </p:extLst>
   </p:cSld>
@@ -4292,7 +4294,7 @@
           <p:cNvPr id="2" name="Titel 1">
             <a:extLst>
               <a:ext uri="{FF2B5EF4-FFF2-40B4-BE49-F238E27FC236}">
-                <a16:creationId xmlns:a16="http://schemas.microsoft.com/office/drawing/2014/main" id="{5F03953D-D2E3-13A4-B82B-FE3B263861AB}"/>
+                <a16:creationId xmlns:a16="http://schemas.microsoft.com/office/drawing/2014/main" id="{64CFC993-6EC7-7940-247D-71DB08245C78}"/>
               </a:ext>
             </a:extLst>
           </p:cNvPr>
@@ -4310,7 +4312,7 @@
           <a:p>
             <a:r>
               <a:rPr lang="de-DE" dirty="0"/>
-              <a:t>Kostenvoranschlag</a:t>
+              <a:t>CAD-Modell</a:t>
             </a:r>
             <a:endParaRPr lang="de-AT" dirty="0"/>
           </a:p>
@@ -4321,7 +4323,7 @@
           <p:cNvPr id="3" name="Inhaltsplatzhalter 2">
             <a:extLst>
               <a:ext uri="{FF2B5EF4-FFF2-40B4-BE49-F238E27FC236}">
-                <a16:creationId xmlns:a16="http://schemas.microsoft.com/office/drawing/2014/main" id="{31F7B4B2-5654-2963-5229-36B59679DD83}"/>
+                <a16:creationId xmlns:a16="http://schemas.microsoft.com/office/drawing/2014/main" id="{F2085BD5-F91F-410D-118E-F749A19368E0}"/>
               </a:ext>
             </a:extLst>
           </p:cNvPr>
@@ -4344,7 +4346,7 @@
     </p:spTree>
     <p:extLst>
       <p:ext uri="{BB962C8B-B14F-4D97-AF65-F5344CB8AC3E}">
-        <p14:creationId xmlns:p14="http://schemas.microsoft.com/office/powerpoint/2010/main" val="471948658"/>
+        <p14:creationId xmlns:p14="http://schemas.microsoft.com/office/powerpoint/2010/main" val="2224729209"/>
       </p:ext>
     </p:extLst>
   </p:cSld>
@@ -4373,10 +4375,10 @@
       </p:grpSpPr>
       <p:sp>
         <p:nvSpPr>
-          <p:cNvPr id="4" name="Titel 3">
-            <a:extLst>
-              <a:ext uri="{FF2B5EF4-FFF2-40B4-BE49-F238E27FC236}">
-                <a16:creationId xmlns:a16="http://schemas.microsoft.com/office/drawing/2014/main" id="{1106049A-CE9E-3BEF-E98E-F120BD0E715F}"/>
+          <p:cNvPr id="2" name="Titel 1">
+            <a:extLst>
+              <a:ext uri="{FF2B5EF4-FFF2-40B4-BE49-F238E27FC236}">
+                <a16:creationId xmlns:a16="http://schemas.microsoft.com/office/drawing/2014/main" id="{5F03953D-D2E3-13A4-B82B-FE3B263861AB}"/>
               </a:ext>
             </a:extLst>
           </p:cNvPr>
@@ -4394,7 +4396,7 @@
           <a:p>
             <a:r>
               <a:rPr lang="de-DE" dirty="0"/>
-              <a:t>Pro/Kontra</a:t>
+              <a:t>Kostenvoranschlag</a:t>
             </a:r>
             <a:endParaRPr lang="de-AT" dirty="0"/>
           </a:p>
@@ -4402,141 +4404,33 @@
       </p:sp>
       <p:sp>
         <p:nvSpPr>
-          <p:cNvPr id="5" name="Textplatzhalter 4">
-            <a:extLst>
-              <a:ext uri="{FF2B5EF4-FFF2-40B4-BE49-F238E27FC236}">
-                <a16:creationId xmlns:a16="http://schemas.microsoft.com/office/drawing/2014/main" id="{5DEA60B2-AC2F-9386-CC2A-4E6EA5A4B179}"/>
-              </a:ext>
-            </a:extLst>
-          </p:cNvPr>
-          <p:cNvSpPr>
-            <a:spLocks noGrp="1"/>
-          </p:cNvSpPr>
-          <p:nvPr>
-            <p:ph type="body" idx="1"/>
-          </p:nvPr>
-        </p:nvSpPr>
-        <p:spPr/>
-        <p:txBody>
-          <a:bodyPr/>
-          <a:lstStyle/>
-          <a:p>
-            <a:r>
-              <a:rPr lang="de-DE" dirty="0"/>
-              <a:t>Pro</a:t>
-            </a:r>
-            <a:endParaRPr lang="de-AT" dirty="0"/>
-          </a:p>
-        </p:txBody>
-      </p:sp>
-      <p:sp>
-        <p:nvSpPr>
-          <p:cNvPr id="6" name="Inhaltsplatzhalter 5">
-            <a:extLst>
-              <a:ext uri="{FF2B5EF4-FFF2-40B4-BE49-F238E27FC236}">
-                <a16:creationId xmlns:a16="http://schemas.microsoft.com/office/drawing/2014/main" id="{F683473C-F230-8429-0171-3B36E47E74E4}"/>
-              </a:ext>
-            </a:extLst>
-          </p:cNvPr>
-          <p:cNvSpPr>
-            <a:spLocks noGrp="1"/>
-          </p:cNvSpPr>
-          <p:nvPr>
-            <p:ph sz="half" idx="2"/>
-          </p:nvPr>
-        </p:nvSpPr>
-        <p:spPr/>
-        <p:txBody>
-          <a:bodyPr/>
-          <a:lstStyle/>
-          <a:p>
-            <a:r>
-              <a:rPr lang="de-DE" dirty="0"/>
-              <a:t>Einfache Handhabung</a:t>
-            </a:r>
-          </a:p>
-          <a:p>
-            <a:r>
-              <a:rPr lang="de-DE" dirty="0"/>
-              <a:t>Leistung</a:t>
-            </a:r>
-          </a:p>
-        </p:txBody>
-      </p:sp>
-      <p:sp>
-        <p:nvSpPr>
-          <p:cNvPr id="7" name="Textplatzhalter 6">
-            <a:extLst>
-              <a:ext uri="{FF2B5EF4-FFF2-40B4-BE49-F238E27FC236}">
-                <a16:creationId xmlns:a16="http://schemas.microsoft.com/office/drawing/2014/main" id="{0901BFF3-F3C3-F55C-C0D2-912A0F0F79CE}"/>
-              </a:ext>
-            </a:extLst>
-          </p:cNvPr>
-          <p:cNvSpPr>
-            <a:spLocks noGrp="1"/>
-          </p:cNvSpPr>
-          <p:nvPr>
-            <p:ph type="body" sz="quarter" idx="3"/>
-          </p:nvPr>
-        </p:nvSpPr>
-        <p:spPr/>
-        <p:txBody>
-          <a:bodyPr/>
-          <a:lstStyle/>
-          <a:p>
-            <a:r>
-              <a:rPr lang="de-DE" dirty="0"/>
-              <a:t>Kontra</a:t>
-            </a:r>
-            <a:endParaRPr lang="de-AT" dirty="0"/>
-          </a:p>
-        </p:txBody>
-      </p:sp>
-      <p:sp>
-        <p:nvSpPr>
-          <p:cNvPr id="8" name="Inhaltsplatzhalter 7">
-            <a:extLst>
-              <a:ext uri="{FF2B5EF4-FFF2-40B4-BE49-F238E27FC236}">
-                <a16:creationId xmlns:a16="http://schemas.microsoft.com/office/drawing/2014/main" id="{AA927AF4-ED61-8547-5F19-CA44690717EB}"/>
-              </a:ext>
-            </a:extLst>
-          </p:cNvPr>
-          <p:cNvSpPr>
-            <a:spLocks noGrp="1"/>
-          </p:cNvSpPr>
-          <p:nvPr>
-            <p:ph sz="quarter" idx="4"/>
-          </p:nvPr>
-        </p:nvSpPr>
-        <p:spPr/>
-        <p:txBody>
-          <a:bodyPr/>
-          <a:lstStyle/>
-          <a:p>
-            <a:r>
-              <a:rPr lang="de-DE" dirty="0"/>
-              <a:t>Optik</a:t>
-            </a:r>
-          </a:p>
-          <a:p>
-            <a:r>
-              <a:rPr lang="de-DE" dirty="0"/>
-              <a:t>Aufwendig</a:t>
-            </a:r>
-          </a:p>
-          <a:p>
-            <a:r>
-              <a:rPr lang="de-DE" dirty="0"/>
-              <a:t>Teuer</a:t>
-            </a:r>
-            <a:endParaRPr lang="de-AT" dirty="0"/>
+          <p:cNvPr id="3" name="Inhaltsplatzhalter 2">
+            <a:extLst>
+              <a:ext uri="{FF2B5EF4-FFF2-40B4-BE49-F238E27FC236}">
+                <a16:creationId xmlns:a16="http://schemas.microsoft.com/office/drawing/2014/main" id="{31F7B4B2-5654-2963-5229-36B59679DD83}"/>
+              </a:ext>
+            </a:extLst>
+          </p:cNvPr>
+          <p:cNvSpPr>
+            <a:spLocks noGrp="1"/>
+          </p:cNvSpPr>
+          <p:nvPr>
+            <p:ph idx="1"/>
+          </p:nvPr>
+        </p:nvSpPr>
+        <p:spPr/>
+        <p:txBody>
+          <a:bodyPr/>
+          <a:lstStyle/>
+          <a:p>
+            <a:endParaRPr lang="de-AT"/>
           </a:p>
         </p:txBody>
       </p:sp>
     </p:spTree>
     <p:extLst>
       <p:ext uri="{BB962C8B-B14F-4D97-AF65-F5344CB8AC3E}">
-        <p14:creationId xmlns:p14="http://schemas.microsoft.com/office/powerpoint/2010/main" val="1521909480"/>
+        <p14:creationId xmlns:p14="http://schemas.microsoft.com/office/powerpoint/2010/main" val="471948658"/>
       </p:ext>
     </p:extLst>
   </p:cSld>
@@ -4565,10 +4459,10 @@
       </p:grpSpPr>
       <p:sp>
         <p:nvSpPr>
-          <p:cNvPr id="2" name="Titel 1">
-            <a:extLst>
-              <a:ext uri="{FF2B5EF4-FFF2-40B4-BE49-F238E27FC236}">
-                <a16:creationId xmlns:a16="http://schemas.microsoft.com/office/drawing/2014/main" id="{AEEFBCA5-B626-C768-50E6-4D4A3DA63DC6}"/>
+          <p:cNvPr id="4" name="Titel 3">
+            <a:extLst>
+              <a:ext uri="{FF2B5EF4-FFF2-40B4-BE49-F238E27FC236}">
+                <a16:creationId xmlns:a16="http://schemas.microsoft.com/office/drawing/2014/main" id="{1106049A-CE9E-3BEF-E98E-F120BD0E715F}"/>
               </a:ext>
             </a:extLst>
           </p:cNvPr>
@@ -4586,7 +4480,7 @@
           <a:p>
             <a:r>
               <a:rPr lang="de-DE" dirty="0"/>
-              <a:t>Konzept 5</a:t>
+              <a:t>Pro/Kontra</a:t>
             </a:r>
             <a:endParaRPr lang="de-AT" dirty="0"/>
           </a:p>
@@ -4594,18 +4488,18 @@
       </p:sp>
       <p:sp>
         <p:nvSpPr>
-          <p:cNvPr id="3" name="Inhaltsplatzhalter 2">
-            <a:extLst>
-              <a:ext uri="{FF2B5EF4-FFF2-40B4-BE49-F238E27FC236}">
-                <a16:creationId xmlns:a16="http://schemas.microsoft.com/office/drawing/2014/main" id="{5C915AF3-68C2-4814-8588-F37D746ED88D}"/>
-              </a:ext>
-            </a:extLst>
-          </p:cNvPr>
-          <p:cNvSpPr>
-            <a:spLocks noGrp="1"/>
-          </p:cNvSpPr>
-          <p:nvPr>
-            <p:ph idx="1"/>
+          <p:cNvPr id="5" name="Textplatzhalter 4">
+            <a:extLst>
+              <a:ext uri="{FF2B5EF4-FFF2-40B4-BE49-F238E27FC236}">
+                <a16:creationId xmlns:a16="http://schemas.microsoft.com/office/drawing/2014/main" id="{5DEA60B2-AC2F-9386-CC2A-4E6EA5A4B179}"/>
+              </a:ext>
+            </a:extLst>
+          </p:cNvPr>
+          <p:cNvSpPr>
+            <a:spLocks noGrp="1"/>
+          </p:cNvSpPr>
+          <p:nvPr>
+            <p:ph type="body" idx="1"/>
           </p:nvPr>
         </p:nvSpPr>
         <p:spPr/>
@@ -4615,7 +4509,111 @@
           <a:p>
             <a:r>
               <a:rPr lang="de-DE" dirty="0"/>
-              <a:t>Koni 2</a:t>
+              <a:t>Pro</a:t>
+            </a:r>
+            <a:endParaRPr lang="de-AT" dirty="0"/>
+          </a:p>
+        </p:txBody>
+      </p:sp>
+      <p:sp>
+        <p:nvSpPr>
+          <p:cNvPr id="6" name="Inhaltsplatzhalter 5">
+            <a:extLst>
+              <a:ext uri="{FF2B5EF4-FFF2-40B4-BE49-F238E27FC236}">
+                <a16:creationId xmlns:a16="http://schemas.microsoft.com/office/drawing/2014/main" id="{F683473C-F230-8429-0171-3B36E47E74E4}"/>
+              </a:ext>
+            </a:extLst>
+          </p:cNvPr>
+          <p:cNvSpPr>
+            <a:spLocks noGrp="1"/>
+          </p:cNvSpPr>
+          <p:nvPr>
+            <p:ph sz="half" idx="2"/>
+          </p:nvPr>
+        </p:nvSpPr>
+        <p:spPr/>
+        <p:txBody>
+          <a:bodyPr/>
+          <a:lstStyle/>
+          <a:p>
+            <a:r>
+              <a:rPr lang="de-DE" dirty="0"/>
+              <a:t>Einfache Handhabung</a:t>
+            </a:r>
+          </a:p>
+          <a:p>
+            <a:r>
+              <a:rPr lang="de-DE" dirty="0"/>
+              <a:t>Leistung</a:t>
+            </a:r>
+          </a:p>
+        </p:txBody>
+      </p:sp>
+      <p:sp>
+        <p:nvSpPr>
+          <p:cNvPr id="7" name="Textplatzhalter 6">
+            <a:extLst>
+              <a:ext uri="{FF2B5EF4-FFF2-40B4-BE49-F238E27FC236}">
+                <a16:creationId xmlns:a16="http://schemas.microsoft.com/office/drawing/2014/main" id="{0901BFF3-F3C3-F55C-C0D2-912A0F0F79CE}"/>
+              </a:ext>
+            </a:extLst>
+          </p:cNvPr>
+          <p:cNvSpPr>
+            <a:spLocks noGrp="1"/>
+          </p:cNvSpPr>
+          <p:nvPr>
+            <p:ph type="body" sz="quarter" idx="3"/>
+          </p:nvPr>
+        </p:nvSpPr>
+        <p:spPr/>
+        <p:txBody>
+          <a:bodyPr/>
+          <a:lstStyle/>
+          <a:p>
+            <a:r>
+              <a:rPr lang="de-DE" dirty="0"/>
+              <a:t>Kontra</a:t>
+            </a:r>
+            <a:endParaRPr lang="de-AT" dirty="0"/>
+          </a:p>
+        </p:txBody>
+      </p:sp>
+      <p:sp>
+        <p:nvSpPr>
+          <p:cNvPr id="8" name="Inhaltsplatzhalter 7">
+            <a:extLst>
+              <a:ext uri="{FF2B5EF4-FFF2-40B4-BE49-F238E27FC236}">
+                <a16:creationId xmlns:a16="http://schemas.microsoft.com/office/drawing/2014/main" id="{AA927AF4-ED61-8547-5F19-CA44690717EB}"/>
+              </a:ext>
+            </a:extLst>
+          </p:cNvPr>
+          <p:cNvSpPr>
+            <a:spLocks noGrp="1"/>
+          </p:cNvSpPr>
+          <p:nvPr>
+            <p:ph sz="quarter" idx="4"/>
+          </p:nvPr>
+        </p:nvSpPr>
+        <p:spPr/>
+        <p:txBody>
+          <a:bodyPr/>
+          <a:lstStyle/>
+          <a:p>
+            <a:r>
+              <a:rPr lang="de-DE" dirty="0"/>
+              <a:t>Optik</a:t>
+            </a:r>
+          </a:p>
+          <a:p>
+            <a:r>
+              <a:rPr lang="de-DE" dirty="0"/>
+              <a:t>Aufwendig</a:t>
+            </a:r>
+          </a:p>
+          <a:p>
+            <a:r>
+              <a:rPr lang="de-DE" dirty="0"/>
+              <a:t>Teuer</a:t>
             </a:r>
             <a:endParaRPr lang="de-AT" dirty="0"/>
           </a:p>
@@ -4624,7 +4622,7 @@
     </p:spTree>
     <p:extLst>
       <p:ext uri="{BB962C8B-B14F-4D97-AF65-F5344CB8AC3E}">
-        <p14:creationId xmlns:p14="http://schemas.microsoft.com/office/powerpoint/2010/main" val="1602186488"/>
+        <p14:creationId xmlns:p14="http://schemas.microsoft.com/office/powerpoint/2010/main" val="1521909480"/>
       </p:ext>
     </p:extLst>
   </p:cSld>
@@ -4740,7 +4738,7 @@
           <p:cNvPr id="2" name="Titel 1">
             <a:extLst>
               <a:ext uri="{FF2B5EF4-FFF2-40B4-BE49-F238E27FC236}">
-                <a16:creationId xmlns:a16="http://schemas.microsoft.com/office/drawing/2014/main" id="{2710ADAC-EBE0-00DB-F271-CE53CE67BB45}"/>
+                <a16:creationId xmlns:a16="http://schemas.microsoft.com/office/drawing/2014/main" id="{AEEFBCA5-B626-C768-50E6-4D4A3DA63DC6}"/>
               </a:ext>
             </a:extLst>
           </p:cNvPr>
@@ -4758,7 +4756,7 @@
           <a:p>
             <a:r>
               <a:rPr lang="de-DE" dirty="0"/>
-              <a:t>CAD-Modell</a:t>
+              <a:t>Konzept 5</a:t>
             </a:r>
             <a:endParaRPr lang="de-AT" dirty="0"/>
           </a:p>
@@ -4769,7 +4767,7 @@
           <p:cNvPr id="3" name="Inhaltsplatzhalter 2">
             <a:extLst>
               <a:ext uri="{FF2B5EF4-FFF2-40B4-BE49-F238E27FC236}">
-                <a16:creationId xmlns:a16="http://schemas.microsoft.com/office/drawing/2014/main" id="{E0E4618E-2D84-7622-4586-30284FC9578B}"/>
+                <a16:creationId xmlns:a16="http://schemas.microsoft.com/office/drawing/2014/main" id="{5C915AF3-68C2-4814-8588-F37D746ED88D}"/>
               </a:ext>
             </a:extLst>
           </p:cNvPr>
@@ -4785,14 +4783,18 @@
           <a:bodyPr/>
           <a:lstStyle/>
           <a:p>
-            <a:endParaRPr lang="de-AT"/>
+            <a:r>
+              <a:rPr lang="de-DE" dirty="0"/>
+              <a:t>Koni 2</a:t>
+            </a:r>
+            <a:endParaRPr lang="de-AT" dirty="0"/>
           </a:p>
         </p:txBody>
       </p:sp>
     </p:spTree>
     <p:extLst>
       <p:ext uri="{BB962C8B-B14F-4D97-AF65-F5344CB8AC3E}">
-        <p14:creationId xmlns:p14="http://schemas.microsoft.com/office/powerpoint/2010/main" val="2420339349"/>
+        <p14:creationId xmlns:p14="http://schemas.microsoft.com/office/powerpoint/2010/main" val="1602186488"/>
       </p:ext>
     </p:extLst>
   </p:cSld>
@@ -4824,7 +4826,7 @@
           <p:cNvPr id="2" name="Titel 1">
             <a:extLst>
               <a:ext uri="{FF2B5EF4-FFF2-40B4-BE49-F238E27FC236}">
-                <a16:creationId xmlns:a16="http://schemas.microsoft.com/office/drawing/2014/main" id="{D32356E1-5719-A38B-E963-AA8E849D1AAE}"/>
+                <a16:creationId xmlns:a16="http://schemas.microsoft.com/office/drawing/2014/main" id="{2710ADAC-EBE0-00DB-F271-CE53CE67BB45}"/>
               </a:ext>
             </a:extLst>
           </p:cNvPr>
@@ -4842,7 +4844,7 @@
           <a:p>
             <a:r>
               <a:rPr lang="de-DE" dirty="0"/>
-              <a:t>Kostenvoranschlag</a:t>
+              <a:t>CAD-Modell</a:t>
             </a:r>
             <a:endParaRPr lang="de-AT" dirty="0"/>
           </a:p>
@@ -4853,7 +4855,7 @@
           <p:cNvPr id="3" name="Inhaltsplatzhalter 2">
             <a:extLst>
               <a:ext uri="{FF2B5EF4-FFF2-40B4-BE49-F238E27FC236}">
-                <a16:creationId xmlns:a16="http://schemas.microsoft.com/office/drawing/2014/main" id="{85DC477E-AE88-47A1-D163-FDA78FF98775}"/>
+                <a16:creationId xmlns:a16="http://schemas.microsoft.com/office/drawing/2014/main" id="{E0E4618E-2D84-7622-4586-30284FC9578B}"/>
               </a:ext>
             </a:extLst>
           </p:cNvPr>
@@ -4869,14 +4871,14 @@
           <a:bodyPr/>
           <a:lstStyle/>
           <a:p>
-            <a:endParaRPr lang="de-AT" dirty="0"/>
+            <a:endParaRPr lang="de-AT"/>
           </a:p>
         </p:txBody>
       </p:sp>
     </p:spTree>
     <p:extLst>
       <p:ext uri="{BB962C8B-B14F-4D97-AF65-F5344CB8AC3E}">
-        <p14:creationId xmlns:p14="http://schemas.microsoft.com/office/powerpoint/2010/main" val="2552552685"/>
+        <p14:creationId xmlns:p14="http://schemas.microsoft.com/office/powerpoint/2010/main" val="2420339349"/>
       </p:ext>
     </p:extLst>
   </p:cSld>
@@ -4905,6 +4907,90 @@
       </p:grpSpPr>
       <p:sp>
         <p:nvSpPr>
+          <p:cNvPr id="2" name="Titel 1">
+            <a:extLst>
+              <a:ext uri="{FF2B5EF4-FFF2-40B4-BE49-F238E27FC236}">
+                <a16:creationId xmlns:a16="http://schemas.microsoft.com/office/drawing/2014/main" id="{D32356E1-5719-A38B-E963-AA8E849D1AAE}"/>
+              </a:ext>
+            </a:extLst>
+          </p:cNvPr>
+          <p:cNvSpPr>
+            <a:spLocks noGrp="1"/>
+          </p:cNvSpPr>
+          <p:nvPr>
+            <p:ph type="title"/>
+          </p:nvPr>
+        </p:nvSpPr>
+        <p:spPr/>
+        <p:txBody>
+          <a:bodyPr/>
+          <a:lstStyle/>
+          <a:p>
+            <a:r>
+              <a:rPr lang="de-DE" dirty="0"/>
+              <a:t>Kostenvoranschlag</a:t>
+            </a:r>
+            <a:endParaRPr lang="de-AT" dirty="0"/>
+          </a:p>
+        </p:txBody>
+      </p:sp>
+      <p:sp>
+        <p:nvSpPr>
+          <p:cNvPr id="3" name="Inhaltsplatzhalter 2">
+            <a:extLst>
+              <a:ext uri="{FF2B5EF4-FFF2-40B4-BE49-F238E27FC236}">
+                <a16:creationId xmlns:a16="http://schemas.microsoft.com/office/drawing/2014/main" id="{85DC477E-AE88-47A1-D163-FDA78FF98775}"/>
+              </a:ext>
+            </a:extLst>
+          </p:cNvPr>
+          <p:cNvSpPr>
+            <a:spLocks noGrp="1"/>
+          </p:cNvSpPr>
+          <p:nvPr>
+            <p:ph idx="1"/>
+          </p:nvPr>
+        </p:nvSpPr>
+        <p:spPr/>
+        <p:txBody>
+          <a:bodyPr/>
+          <a:lstStyle/>
+          <a:p>
+            <a:endParaRPr lang="de-AT" dirty="0"/>
+          </a:p>
+        </p:txBody>
+      </p:sp>
+    </p:spTree>
+    <p:extLst>
+      <p:ext uri="{BB962C8B-B14F-4D97-AF65-F5344CB8AC3E}">
+        <p14:creationId xmlns:p14="http://schemas.microsoft.com/office/powerpoint/2010/main" val="2552552685"/>
+      </p:ext>
+    </p:extLst>
+  </p:cSld>
+  <p:clrMapOvr>
+    <a:masterClrMapping/>
+  </p:clrMapOvr>
+</p:sld>
+</file>
+
+<file path=ppt/slides/slide23.xml><?xml version="1.0" encoding="utf-8"?>
+<p:sld xmlns:a="http://schemas.openxmlformats.org/drawingml/2006/main" xmlns:r="http://schemas.openxmlformats.org/officeDocument/2006/relationships" xmlns:p="http://schemas.openxmlformats.org/presentationml/2006/main">
+  <p:cSld>
+    <p:spTree>
+      <p:nvGrpSpPr>
+        <p:cNvPr id="1" name=""/>
+        <p:cNvGrpSpPr/>
+        <p:nvPr/>
+      </p:nvGrpSpPr>
+      <p:grpSpPr>
+        <a:xfrm>
+          <a:off x="0" y="0"/>
+          <a:ext cx="0" cy="0"/>
+          <a:chOff x="0" y="0"/>
+          <a:chExt cx="0" cy="0"/>
+        </a:xfrm>
+      </p:grpSpPr>
+      <p:sp>
+        <p:nvSpPr>
           <p:cNvPr id="4" name="Titel 3">
             <a:extLst>
               <a:ext uri="{FF2B5EF4-FFF2-40B4-BE49-F238E27FC236}">
@@ -5081,7 +5167,7 @@
 </p:sld>
 </file>
 
-<file path=ppt/slides/slide23.xml><?xml version="1.0" encoding="utf-8"?>
+<file path=ppt/slides/slide24.xml><?xml version="1.0" encoding="utf-8"?>
 <p:sld xmlns:a="http://schemas.openxmlformats.org/drawingml/2006/main" xmlns:r="http://schemas.openxmlformats.org/officeDocument/2006/relationships" xmlns:p="http://schemas.openxmlformats.org/presentationml/2006/main">
   <p:cSld>
     <p:spTree>
@@ -5191,7 +5277,7 @@
           <p:cNvPr id="2" name="Titel 1">
             <a:extLst>
               <a:ext uri="{FF2B5EF4-FFF2-40B4-BE49-F238E27FC236}">
-                <a16:creationId xmlns:a16="http://schemas.microsoft.com/office/drawing/2014/main" id="{0FA7EDAD-F615-2993-D5E0-DFB1C53FA810}"/>
+                <a16:creationId xmlns:a16="http://schemas.microsoft.com/office/drawing/2014/main" id="{B2E65FAB-CD8F-4666-F644-FC33AEB1FA6B}"/>
               </a:ext>
             </a:extLst>
           </p:cNvPr>
@@ -5208,10 +5294,10 @@
           <a:lstStyle/>
           <a:p>
             <a:r>
-              <a:rPr lang="de-DE" dirty="0"/>
-              <a:t>Konzept 1</a:t>
-            </a:r>
-            <a:endParaRPr lang="de-AT" dirty="0"/>
+              <a:rPr lang="de-DE"/>
+              <a:t>Verbraucher</a:t>
+            </a:r>
+            <a:endParaRPr lang="de-AT"/>
           </a:p>
         </p:txBody>
       </p:sp>
@@ -5220,7 +5306,7 @@
           <p:cNvPr id="3" name="Inhaltsplatzhalter 2">
             <a:extLst>
               <a:ext uri="{FF2B5EF4-FFF2-40B4-BE49-F238E27FC236}">
-                <a16:creationId xmlns:a16="http://schemas.microsoft.com/office/drawing/2014/main" id="{AFCBAED8-CFB6-4E79-5CDF-B365E1D7630C}"/>
+                <a16:creationId xmlns:a16="http://schemas.microsoft.com/office/drawing/2014/main" id="{9080D15A-B144-80B7-C26E-E2FFF86721AB}"/>
               </a:ext>
             </a:extLst>
           </p:cNvPr>
@@ -5236,22 +5322,14 @@
           <a:bodyPr/>
           <a:lstStyle/>
           <a:p>
-            <a:r>
-              <a:rPr lang="de-DE" dirty="0" err="1"/>
-              <a:t>Bexi</a:t>
-            </a:r>
-            <a:r>
-              <a:rPr lang="de-DE" dirty="0"/>
-              <a:t> 1</a:t>
-            </a:r>
-            <a:endParaRPr lang="de-AT" dirty="0"/>
+            <a:endParaRPr lang="de-AT"/>
           </a:p>
         </p:txBody>
       </p:sp>
     </p:spTree>
     <p:extLst>
       <p:ext uri="{BB962C8B-B14F-4D97-AF65-F5344CB8AC3E}">
-        <p14:creationId xmlns:p14="http://schemas.microsoft.com/office/powerpoint/2010/main" val="1494612593"/>
+        <p14:creationId xmlns:p14="http://schemas.microsoft.com/office/powerpoint/2010/main" val="1454409879"/>
       </p:ext>
     </p:extLst>
   </p:cSld>
@@ -5283,7 +5361,7 @@
           <p:cNvPr id="2" name="Titel 1">
             <a:extLst>
               <a:ext uri="{FF2B5EF4-FFF2-40B4-BE49-F238E27FC236}">
-                <a16:creationId xmlns:a16="http://schemas.microsoft.com/office/drawing/2014/main" id="{1E452150-4269-7B13-7FB7-8E058BDC2AA1}"/>
+                <a16:creationId xmlns:a16="http://schemas.microsoft.com/office/drawing/2014/main" id="{0FA7EDAD-F615-2993-D5E0-DFB1C53FA810}"/>
               </a:ext>
             </a:extLst>
           </p:cNvPr>
@@ -5301,7 +5379,7 @@
           <a:p>
             <a:r>
               <a:rPr lang="de-DE" dirty="0"/>
-              <a:t>CAD-Modell</a:t>
+              <a:t>Konzept 1</a:t>
             </a:r>
             <a:endParaRPr lang="de-AT" dirty="0"/>
           </a:p>
@@ -5312,7 +5390,7 @@
           <p:cNvPr id="3" name="Inhaltsplatzhalter 2">
             <a:extLst>
               <a:ext uri="{FF2B5EF4-FFF2-40B4-BE49-F238E27FC236}">
-                <a16:creationId xmlns:a16="http://schemas.microsoft.com/office/drawing/2014/main" id="{105A0325-AC8F-8623-7B44-DF5B5E691A78}"/>
+                <a16:creationId xmlns:a16="http://schemas.microsoft.com/office/drawing/2014/main" id="{AFCBAED8-CFB6-4E79-5CDF-B365E1D7630C}"/>
               </a:ext>
             </a:extLst>
           </p:cNvPr>
@@ -5328,14 +5406,22 @@
           <a:bodyPr/>
           <a:lstStyle/>
           <a:p>
-            <a:endParaRPr lang="de-AT"/>
+            <a:r>
+              <a:rPr lang="de-DE" dirty="0" err="1"/>
+              <a:t>Bexi</a:t>
+            </a:r>
+            <a:r>
+              <a:rPr lang="de-DE" dirty="0"/>
+              <a:t> 1</a:t>
+            </a:r>
+            <a:endParaRPr lang="de-AT" dirty="0"/>
           </a:p>
         </p:txBody>
       </p:sp>
     </p:spTree>
     <p:extLst>
       <p:ext uri="{BB962C8B-B14F-4D97-AF65-F5344CB8AC3E}">
-        <p14:creationId xmlns:p14="http://schemas.microsoft.com/office/powerpoint/2010/main" val="3884345879"/>
+        <p14:creationId xmlns:p14="http://schemas.microsoft.com/office/powerpoint/2010/main" val="1494612593"/>
       </p:ext>
     </p:extLst>
   </p:cSld>
@@ -5367,7 +5453,7 @@
           <p:cNvPr id="2" name="Titel 1">
             <a:extLst>
               <a:ext uri="{FF2B5EF4-FFF2-40B4-BE49-F238E27FC236}">
-                <a16:creationId xmlns:a16="http://schemas.microsoft.com/office/drawing/2014/main" id="{13BF034F-286B-B79E-B76C-FC1CB696EB3E}"/>
+                <a16:creationId xmlns:a16="http://schemas.microsoft.com/office/drawing/2014/main" id="{1E452150-4269-7B13-7FB7-8E058BDC2AA1}"/>
               </a:ext>
             </a:extLst>
           </p:cNvPr>
@@ -5385,7 +5471,7 @@
           <a:p>
             <a:r>
               <a:rPr lang="de-DE" dirty="0"/>
-              <a:t>Kostenvoranschlag</a:t>
+              <a:t>CAD-Modell</a:t>
             </a:r>
             <a:endParaRPr lang="de-AT" dirty="0"/>
           </a:p>
@@ -5396,7 +5482,7 @@
           <p:cNvPr id="3" name="Inhaltsplatzhalter 2">
             <a:extLst>
               <a:ext uri="{FF2B5EF4-FFF2-40B4-BE49-F238E27FC236}">
-                <a16:creationId xmlns:a16="http://schemas.microsoft.com/office/drawing/2014/main" id="{CBEE06D6-7799-CBD8-8163-7FF0CF6A2950}"/>
+                <a16:creationId xmlns:a16="http://schemas.microsoft.com/office/drawing/2014/main" id="{105A0325-AC8F-8623-7B44-DF5B5E691A78}"/>
               </a:ext>
             </a:extLst>
           </p:cNvPr>
@@ -5419,7 +5505,7 @@
     </p:spTree>
     <p:extLst>
       <p:ext uri="{BB962C8B-B14F-4D97-AF65-F5344CB8AC3E}">
-        <p14:creationId xmlns:p14="http://schemas.microsoft.com/office/powerpoint/2010/main" val="2491358386"/>
+        <p14:creationId xmlns:p14="http://schemas.microsoft.com/office/powerpoint/2010/main" val="3884345879"/>
       </p:ext>
     </p:extLst>
   </p:cSld>
@@ -5448,10 +5534,10 @@
       </p:grpSpPr>
       <p:sp>
         <p:nvSpPr>
-          <p:cNvPr id="4" name="Titel 3">
-            <a:extLst>
-              <a:ext uri="{FF2B5EF4-FFF2-40B4-BE49-F238E27FC236}">
-                <a16:creationId xmlns:a16="http://schemas.microsoft.com/office/drawing/2014/main" id="{85BC1D6F-5B84-1EDC-556F-7EE9445204A1}"/>
+          <p:cNvPr id="2" name="Titel 1">
+            <a:extLst>
+              <a:ext uri="{FF2B5EF4-FFF2-40B4-BE49-F238E27FC236}">
+                <a16:creationId xmlns:a16="http://schemas.microsoft.com/office/drawing/2014/main" id="{13BF034F-286B-B79E-B76C-FC1CB696EB3E}"/>
               </a:ext>
             </a:extLst>
           </p:cNvPr>
@@ -5469,7 +5555,7 @@
           <a:p>
             <a:r>
               <a:rPr lang="de-DE" dirty="0"/>
-              <a:t>Pro/Kontra</a:t>
+              <a:t>Kostenvoranschlag</a:t>
             </a:r>
             <a:endParaRPr lang="de-AT" dirty="0"/>
           </a:p>
@@ -5477,101 +5563,18 @@
       </p:sp>
       <p:sp>
         <p:nvSpPr>
-          <p:cNvPr id="5" name="Textplatzhalter 4">
-            <a:extLst>
-              <a:ext uri="{FF2B5EF4-FFF2-40B4-BE49-F238E27FC236}">
-                <a16:creationId xmlns:a16="http://schemas.microsoft.com/office/drawing/2014/main" id="{D26C6481-B320-DDCA-16AE-C31C9A77F810}"/>
-              </a:ext>
-            </a:extLst>
-          </p:cNvPr>
-          <p:cNvSpPr>
-            <a:spLocks noGrp="1"/>
-          </p:cNvSpPr>
-          <p:nvPr>
-            <p:ph type="body" idx="1"/>
-          </p:nvPr>
-        </p:nvSpPr>
-        <p:spPr/>
-        <p:txBody>
-          <a:bodyPr/>
-          <a:lstStyle/>
-          <a:p>
-            <a:r>
-              <a:rPr lang="de-DE" dirty="0"/>
-              <a:t>Pro</a:t>
-            </a:r>
-            <a:endParaRPr lang="de-AT" dirty="0"/>
-          </a:p>
-        </p:txBody>
-      </p:sp>
-      <p:sp>
-        <p:nvSpPr>
-          <p:cNvPr id="6" name="Inhaltsplatzhalter 5">
-            <a:extLst>
-              <a:ext uri="{FF2B5EF4-FFF2-40B4-BE49-F238E27FC236}">
-                <a16:creationId xmlns:a16="http://schemas.microsoft.com/office/drawing/2014/main" id="{D6AE90F2-9674-8E71-8C05-5FBAB0514B84}"/>
-              </a:ext>
-            </a:extLst>
-          </p:cNvPr>
-          <p:cNvSpPr>
-            <a:spLocks noGrp="1"/>
-          </p:cNvSpPr>
-          <p:nvPr>
-            <p:ph sz="half" idx="2"/>
-          </p:nvPr>
-        </p:nvSpPr>
-        <p:spPr/>
-        <p:txBody>
-          <a:bodyPr/>
-          <a:lstStyle/>
-          <a:p>
-            <a:endParaRPr lang="de-AT"/>
-          </a:p>
-        </p:txBody>
-      </p:sp>
-      <p:sp>
-        <p:nvSpPr>
-          <p:cNvPr id="7" name="Textplatzhalter 6">
-            <a:extLst>
-              <a:ext uri="{FF2B5EF4-FFF2-40B4-BE49-F238E27FC236}">
-                <a16:creationId xmlns:a16="http://schemas.microsoft.com/office/drawing/2014/main" id="{54885A37-82FD-97F6-FB8E-D7E4FFB9EAFD}"/>
-              </a:ext>
-            </a:extLst>
-          </p:cNvPr>
-          <p:cNvSpPr>
-            <a:spLocks noGrp="1"/>
-          </p:cNvSpPr>
-          <p:nvPr>
-            <p:ph type="body" sz="quarter" idx="3"/>
-          </p:nvPr>
-        </p:nvSpPr>
-        <p:spPr/>
-        <p:txBody>
-          <a:bodyPr/>
-          <a:lstStyle/>
-          <a:p>
-            <a:r>
-              <a:rPr lang="de-DE" dirty="0"/>
-              <a:t>Kontra</a:t>
-            </a:r>
-            <a:endParaRPr lang="de-AT" dirty="0"/>
-          </a:p>
-        </p:txBody>
-      </p:sp>
-      <p:sp>
-        <p:nvSpPr>
-          <p:cNvPr id="8" name="Inhaltsplatzhalter 7">
-            <a:extLst>
-              <a:ext uri="{FF2B5EF4-FFF2-40B4-BE49-F238E27FC236}">
-                <a16:creationId xmlns:a16="http://schemas.microsoft.com/office/drawing/2014/main" id="{4626C2C4-3C84-171E-B54D-D0FD18A4CFC2}"/>
-              </a:ext>
-            </a:extLst>
-          </p:cNvPr>
-          <p:cNvSpPr>
-            <a:spLocks noGrp="1"/>
-          </p:cNvSpPr>
-          <p:nvPr>
-            <p:ph sz="quarter" idx="4"/>
+          <p:cNvPr id="3" name="Inhaltsplatzhalter 2">
+            <a:extLst>
+              <a:ext uri="{FF2B5EF4-FFF2-40B4-BE49-F238E27FC236}">
+                <a16:creationId xmlns:a16="http://schemas.microsoft.com/office/drawing/2014/main" id="{CBEE06D6-7799-CBD8-8163-7FF0CF6A2950}"/>
+              </a:ext>
+            </a:extLst>
+          </p:cNvPr>
+          <p:cNvSpPr>
+            <a:spLocks noGrp="1"/>
+          </p:cNvSpPr>
+          <p:nvPr>
+            <p:ph idx="1"/>
           </p:nvPr>
         </p:nvSpPr>
         <p:spPr/>
@@ -5586,7 +5589,7 @@
     </p:spTree>
     <p:extLst>
       <p:ext uri="{BB962C8B-B14F-4D97-AF65-F5344CB8AC3E}">
-        <p14:creationId xmlns:p14="http://schemas.microsoft.com/office/powerpoint/2010/main" val="1310894928"/>
+        <p14:creationId xmlns:p14="http://schemas.microsoft.com/office/powerpoint/2010/main" val="2491358386"/>
       </p:ext>
     </p:extLst>
   </p:cSld>
@@ -5615,10 +5618,10 @@
       </p:grpSpPr>
       <p:sp>
         <p:nvSpPr>
-          <p:cNvPr id="2" name="Titel 1">
-            <a:extLst>
-              <a:ext uri="{FF2B5EF4-FFF2-40B4-BE49-F238E27FC236}">
-                <a16:creationId xmlns:a16="http://schemas.microsoft.com/office/drawing/2014/main" id="{312DEA8E-DCA0-B244-DBA9-0272B170053F}"/>
+          <p:cNvPr id="4" name="Titel 3">
+            <a:extLst>
+              <a:ext uri="{FF2B5EF4-FFF2-40B4-BE49-F238E27FC236}">
+                <a16:creationId xmlns:a16="http://schemas.microsoft.com/office/drawing/2014/main" id="{85BC1D6F-5B84-1EDC-556F-7EE9445204A1}"/>
               </a:ext>
             </a:extLst>
           </p:cNvPr>
@@ -5636,7 +5639,7 @@
           <a:p>
             <a:r>
               <a:rPr lang="de-DE" dirty="0"/>
-              <a:t>Konzept 2</a:t>
+              <a:t>Pro/Kontra</a:t>
             </a:r>
             <a:endParaRPr lang="de-AT" dirty="0"/>
           </a:p>
@@ -5644,41 +5647,116 @@
       </p:sp>
       <p:sp>
         <p:nvSpPr>
-          <p:cNvPr id="3" name="Inhaltsplatzhalter 2">
-            <a:extLst>
-              <a:ext uri="{FF2B5EF4-FFF2-40B4-BE49-F238E27FC236}">
-                <a16:creationId xmlns:a16="http://schemas.microsoft.com/office/drawing/2014/main" id="{922ED5AE-60B4-651A-2B13-5F57DBBEB55A}"/>
-              </a:ext>
-            </a:extLst>
-          </p:cNvPr>
-          <p:cNvSpPr>
-            <a:spLocks noGrp="1"/>
-          </p:cNvSpPr>
-          <p:nvPr>
-            <p:ph idx="1"/>
-          </p:nvPr>
-        </p:nvSpPr>
-        <p:spPr/>
-        <p:txBody>
-          <a:bodyPr/>
-          <a:lstStyle/>
-          <a:p>
-            <a:r>
-              <a:rPr lang="de-DE" dirty="0" err="1"/>
-              <a:t>Bexi</a:t>
-            </a:r>
+          <p:cNvPr id="5" name="Textplatzhalter 4">
+            <a:extLst>
+              <a:ext uri="{FF2B5EF4-FFF2-40B4-BE49-F238E27FC236}">
+                <a16:creationId xmlns:a16="http://schemas.microsoft.com/office/drawing/2014/main" id="{D26C6481-B320-DDCA-16AE-C31C9A77F810}"/>
+              </a:ext>
+            </a:extLst>
+          </p:cNvPr>
+          <p:cNvSpPr>
+            <a:spLocks noGrp="1"/>
+          </p:cNvSpPr>
+          <p:nvPr>
+            <p:ph type="body" idx="1"/>
+          </p:nvPr>
+        </p:nvSpPr>
+        <p:spPr/>
+        <p:txBody>
+          <a:bodyPr/>
+          <a:lstStyle/>
+          <a:p>
             <a:r>
               <a:rPr lang="de-DE" dirty="0"/>
-              <a:t> 2</a:t>
+              <a:t>Pro</a:t>
             </a:r>
             <a:endParaRPr lang="de-AT" dirty="0"/>
+          </a:p>
+        </p:txBody>
+      </p:sp>
+      <p:sp>
+        <p:nvSpPr>
+          <p:cNvPr id="6" name="Inhaltsplatzhalter 5">
+            <a:extLst>
+              <a:ext uri="{FF2B5EF4-FFF2-40B4-BE49-F238E27FC236}">
+                <a16:creationId xmlns:a16="http://schemas.microsoft.com/office/drawing/2014/main" id="{D6AE90F2-9674-8E71-8C05-5FBAB0514B84}"/>
+              </a:ext>
+            </a:extLst>
+          </p:cNvPr>
+          <p:cNvSpPr>
+            <a:spLocks noGrp="1"/>
+          </p:cNvSpPr>
+          <p:nvPr>
+            <p:ph sz="half" idx="2"/>
+          </p:nvPr>
+        </p:nvSpPr>
+        <p:spPr/>
+        <p:txBody>
+          <a:bodyPr/>
+          <a:lstStyle/>
+          <a:p>
+            <a:endParaRPr lang="de-AT"/>
+          </a:p>
+        </p:txBody>
+      </p:sp>
+      <p:sp>
+        <p:nvSpPr>
+          <p:cNvPr id="7" name="Textplatzhalter 6">
+            <a:extLst>
+              <a:ext uri="{FF2B5EF4-FFF2-40B4-BE49-F238E27FC236}">
+                <a16:creationId xmlns:a16="http://schemas.microsoft.com/office/drawing/2014/main" id="{54885A37-82FD-97F6-FB8E-D7E4FFB9EAFD}"/>
+              </a:ext>
+            </a:extLst>
+          </p:cNvPr>
+          <p:cNvSpPr>
+            <a:spLocks noGrp="1"/>
+          </p:cNvSpPr>
+          <p:nvPr>
+            <p:ph type="body" sz="quarter" idx="3"/>
+          </p:nvPr>
+        </p:nvSpPr>
+        <p:spPr/>
+        <p:txBody>
+          <a:bodyPr/>
+          <a:lstStyle/>
+          <a:p>
+            <a:r>
+              <a:rPr lang="de-DE" dirty="0"/>
+              <a:t>Kontra</a:t>
+            </a:r>
+            <a:endParaRPr lang="de-AT" dirty="0"/>
+          </a:p>
+        </p:txBody>
+      </p:sp>
+      <p:sp>
+        <p:nvSpPr>
+          <p:cNvPr id="8" name="Inhaltsplatzhalter 7">
+            <a:extLst>
+              <a:ext uri="{FF2B5EF4-FFF2-40B4-BE49-F238E27FC236}">
+                <a16:creationId xmlns:a16="http://schemas.microsoft.com/office/drawing/2014/main" id="{4626C2C4-3C84-171E-B54D-D0FD18A4CFC2}"/>
+              </a:ext>
+            </a:extLst>
+          </p:cNvPr>
+          <p:cNvSpPr>
+            <a:spLocks noGrp="1"/>
+          </p:cNvSpPr>
+          <p:nvPr>
+            <p:ph sz="quarter" idx="4"/>
+          </p:nvPr>
+        </p:nvSpPr>
+        <p:spPr/>
+        <p:txBody>
+          <a:bodyPr/>
+          <a:lstStyle/>
+          <a:p>
+            <a:endParaRPr lang="de-AT"/>
           </a:p>
         </p:txBody>
       </p:sp>
     </p:spTree>
     <p:extLst>
       <p:ext uri="{BB962C8B-B14F-4D97-AF65-F5344CB8AC3E}">
-        <p14:creationId xmlns:p14="http://schemas.microsoft.com/office/powerpoint/2010/main" val="3561838050"/>
+        <p14:creationId xmlns:p14="http://schemas.microsoft.com/office/powerpoint/2010/main" val="1310894928"/>
       </p:ext>
     </p:extLst>
   </p:cSld>
@@ -5710,7 +5788,7 @@
           <p:cNvPr id="2" name="Titel 1">
             <a:extLst>
               <a:ext uri="{FF2B5EF4-FFF2-40B4-BE49-F238E27FC236}">
-                <a16:creationId xmlns:a16="http://schemas.microsoft.com/office/drawing/2014/main" id="{2DDACDDD-84D9-CED7-EAE1-72167CD1B80A}"/>
+                <a16:creationId xmlns:a16="http://schemas.microsoft.com/office/drawing/2014/main" id="{312DEA8E-DCA0-B244-DBA9-0272B170053F}"/>
               </a:ext>
             </a:extLst>
           </p:cNvPr>
@@ -5728,7 +5806,7 @@
           <a:p>
             <a:r>
               <a:rPr lang="de-DE" dirty="0"/>
-              <a:t>CAD-Modell</a:t>
+              <a:t>Konzept 2</a:t>
             </a:r>
             <a:endParaRPr lang="de-AT" dirty="0"/>
           </a:p>
@@ -5739,7 +5817,7 @@
           <p:cNvPr id="3" name="Inhaltsplatzhalter 2">
             <a:extLst>
               <a:ext uri="{FF2B5EF4-FFF2-40B4-BE49-F238E27FC236}">
-                <a16:creationId xmlns:a16="http://schemas.microsoft.com/office/drawing/2014/main" id="{BBAFD977-7E43-B1DD-4183-586A84202061}"/>
+                <a16:creationId xmlns:a16="http://schemas.microsoft.com/office/drawing/2014/main" id="{922ED5AE-60B4-651A-2B13-5F57DBBEB55A}"/>
               </a:ext>
             </a:extLst>
           </p:cNvPr>
@@ -5755,14 +5833,22 @@
           <a:bodyPr/>
           <a:lstStyle/>
           <a:p>
-            <a:endParaRPr lang="de-AT"/>
+            <a:r>
+              <a:rPr lang="de-DE" dirty="0" err="1"/>
+              <a:t>Bexi</a:t>
+            </a:r>
+            <a:r>
+              <a:rPr lang="de-DE" dirty="0"/>
+              <a:t> 2</a:t>
+            </a:r>
+            <a:endParaRPr lang="de-AT" dirty="0"/>
           </a:p>
         </p:txBody>
       </p:sp>
     </p:spTree>
     <p:extLst>
       <p:ext uri="{BB962C8B-B14F-4D97-AF65-F5344CB8AC3E}">
-        <p14:creationId xmlns:p14="http://schemas.microsoft.com/office/powerpoint/2010/main" val="2278469037"/>
+        <p14:creationId xmlns:p14="http://schemas.microsoft.com/office/powerpoint/2010/main" val="3561838050"/>
       </p:ext>
     </p:extLst>
   </p:cSld>
@@ -5794,7 +5880,7 @@
           <p:cNvPr id="2" name="Titel 1">
             <a:extLst>
               <a:ext uri="{FF2B5EF4-FFF2-40B4-BE49-F238E27FC236}">
-                <a16:creationId xmlns:a16="http://schemas.microsoft.com/office/drawing/2014/main" id="{161C4804-DF2B-D485-9826-DB1F3647EC36}"/>
+                <a16:creationId xmlns:a16="http://schemas.microsoft.com/office/drawing/2014/main" id="{2DDACDDD-84D9-CED7-EAE1-72167CD1B80A}"/>
               </a:ext>
             </a:extLst>
           </p:cNvPr>
@@ -5812,7 +5898,7 @@
           <a:p>
             <a:r>
               <a:rPr lang="de-DE" dirty="0"/>
-              <a:t>Kostenvoranschlag</a:t>
+              <a:t>CAD-Modell</a:t>
             </a:r>
             <a:endParaRPr lang="de-AT" dirty="0"/>
           </a:p>
@@ -5823,7 +5909,7 @@
           <p:cNvPr id="3" name="Inhaltsplatzhalter 2">
             <a:extLst>
               <a:ext uri="{FF2B5EF4-FFF2-40B4-BE49-F238E27FC236}">
-                <a16:creationId xmlns:a16="http://schemas.microsoft.com/office/drawing/2014/main" id="{2B045E72-B130-C8E8-2871-A6DD1E4CCF8D}"/>
+                <a16:creationId xmlns:a16="http://schemas.microsoft.com/office/drawing/2014/main" id="{BBAFD977-7E43-B1DD-4183-586A84202061}"/>
               </a:ext>
             </a:extLst>
           </p:cNvPr>
@@ -5846,7 +5932,7 @@
     </p:spTree>
     <p:extLst>
       <p:ext uri="{BB962C8B-B14F-4D97-AF65-F5344CB8AC3E}">
-        <p14:creationId xmlns:p14="http://schemas.microsoft.com/office/powerpoint/2010/main" val="1344565148"/>
+        <p14:creationId xmlns:p14="http://schemas.microsoft.com/office/powerpoint/2010/main" val="2278469037"/>
       </p:ext>
     </p:extLst>
   </p:cSld>
